--- a/Lecture Notes-Slides/Lecture 6.pptx
+++ b/Lecture Notes-Slides/Lecture 6.pptx
@@ -4,6 +4,9 @@
   <p:sldMasterIdLst>
     <p:sldMasterId id="2147483660" r:id="rId1"/>
   </p:sldMasterIdLst>
+  <p:notesMasterIdLst>
+    <p:notesMasterId r:id="rId19"/>
+  </p:notesMasterIdLst>
   <p:sldIdLst>
     <p:sldId id="256" r:id="rId2"/>
     <p:sldId id="272" r:id="rId3"/>
@@ -121,6 +124,1471 @@
     </a:lvl9pPr>
   </p:defaultTextStyle>
 </p:presentation>
+</file>
+
+<file path=ppt/notesMasters/notesMaster1.xml><?xml version="1.0" encoding="utf-8"?>
+<p:notesMaster xmlns:a="http://schemas.openxmlformats.org/drawingml/2006/main" xmlns:r="http://schemas.openxmlformats.org/officeDocument/2006/relationships" xmlns:p="http://schemas.openxmlformats.org/presentationml/2006/main">
+  <p:cSld>
+    <p:bg>
+      <p:bgRef idx="1001">
+        <a:schemeClr val="bg1"/>
+      </p:bgRef>
+    </p:bg>
+    <p:spTree>
+      <p:nvGrpSpPr>
+        <p:cNvPr id="1" name=""/>
+        <p:cNvGrpSpPr/>
+        <p:nvPr/>
+      </p:nvGrpSpPr>
+      <p:grpSpPr>
+        <a:xfrm>
+          <a:off x="0" y="0"/>
+          <a:ext cx="0" cy="0"/>
+          <a:chOff x="0" y="0"/>
+          <a:chExt cx="0" cy="0"/>
+        </a:xfrm>
+      </p:grpSpPr>
+      <p:sp>
+        <p:nvSpPr>
+          <p:cNvPr id="2" name="Header Placeholder 1"/>
+          <p:cNvSpPr>
+            <a:spLocks noGrp="1"/>
+          </p:cNvSpPr>
+          <p:nvPr>
+            <p:ph type="hdr" sz="quarter"/>
+          </p:nvPr>
+        </p:nvSpPr>
+        <p:spPr>
+          <a:xfrm>
+            <a:off x="0" y="0"/>
+            <a:ext cx="2971800" cy="457200"/>
+          </a:xfrm>
+          <a:prstGeom prst="rect">
+            <a:avLst/>
+          </a:prstGeom>
+        </p:spPr>
+        <p:txBody>
+          <a:bodyPr vert="horz" lIns="91440" tIns="45720" rIns="91440" bIns="45720" rtlCol="0"/>
+          <a:lstStyle>
+            <a:lvl1pPr algn="l">
+              <a:defRPr sz="1200"/>
+            </a:lvl1pPr>
+          </a:lstStyle>
+          <a:p>
+            <a:endParaRPr lang="en-US"/>
+          </a:p>
+        </p:txBody>
+      </p:sp>
+      <p:sp>
+        <p:nvSpPr>
+          <p:cNvPr id="3" name="Date Placeholder 2"/>
+          <p:cNvSpPr>
+            <a:spLocks noGrp="1"/>
+          </p:cNvSpPr>
+          <p:nvPr>
+            <p:ph type="dt" idx="1"/>
+          </p:nvPr>
+        </p:nvSpPr>
+        <p:spPr>
+          <a:xfrm>
+            <a:off x="3884613" y="0"/>
+            <a:ext cx="2971800" cy="457200"/>
+          </a:xfrm>
+          <a:prstGeom prst="rect">
+            <a:avLst/>
+          </a:prstGeom>
+        </p:spPr>
+        <p:txBody>
+          <a:bodyPr vert="horz" lIns="91440" tIns="45720" rIns="91440" bIns="45720" rtlCol="0"/>
+          <a:lstStyle>
+            <a:lvl1pPr algn="r">
+              <a:defRPr sz="1200"/>
+            </a:lvl1pPr>
+          </a:lstStyle>
+          <a:p>
+            <a:fld id="{A23DAAB0-A029-AD4D-9F28-F41CF1EF3071}" type="datetimeFigureOut">
+              <a:rPr lang="en-US" smtClean="0"/>
+              <a:t>2/17/16</a:t>
+            </a:fld>
+            <a:endParaRPr lang="en-US"/>
+          </a:p>
+        </p:txBody>
+      </p:sp>
+      <p:sp>
+        <p:nvSpPr>
+          <p:cNvPr id="4" name="Slide Image Placeholder 3"/>
+          <p:cNvSpPr>
+            <a:spLocks noGrp="1" noRot="1" noChangeAspect="1"/>
+          </p:cNvSpPr>
+          <p:nvPr>
+            <p:ph type="sldImg" idx="2"/>
+          </p:nvPr>
+        </p:nvSpPr>
+        <p:spPr>
+          <a:xfrm>
+            <a:off x="1143000" y="685800"/>
+            <a:ext cx="4572000" cy="3429000"/>
+          </a:xfrm>
+          <a:prstGeom prst="rect">
+            <a:avLst/>
+          </a:prstGeom>
+          <a:noFill/>
+          <a:ln w="12700">
+            <a:solidFill>
+              <a:prstClr val="black"/>
+            </a:solidFill>
+          </a:ln>
+        </p:spPr>
+        <p:txBody>
+          <a:bodyPr vert="horz" lIns="91440" tIns="45720" rIns="91440" bIns="45720" rtlCol="0" anchor="ctr"/>
+          <a:lstStyle/>
+          <a:p>
+            <a:endParaRPr lang="en-US"/>
+          </a:p>
+        </p:txBody>
+      </p:sp>
+      <p:sp>
+        <p:nvSpPr>
+          <p:cNvPr id="5" name="Notes Placeholder 4"/>
+          <p:cNvSpPr>
+            <a:spLocks noGrp="1"/>
+          </p:cNvSpPr>
+          <p:nvPr>
+            <p:ph type="body" sz="quarter" idx="3"/>
+          </p:nvPr>
+        </p:nvSpPr>
+        <p:spPr>
+          <a:xfrm>
+            <a:off x="685800" y="4343400"/>
+            <a:ext cx="5486400" cy="4114800"/>
+          </a:xfrm>
+          <a:prstGeom prst="rect">
+            <a:avLst/>
+          </a:prstGeom>
+        </p:spPr>
+        <p:txBody>
+          <a:bodyPr vert="horz" lIns="91440" tIns="45720" rIns="91440" bIns="45720" rtlCol="0"/>
+          <a:lstStyle/>
+          <a:p>
+            <a:pPr lvl="0"/>
+            <a:r>
+              <a:rPr lang="en-US" smtClean="0"/>
+              <a:t>Click to edit Master text styles</a:t>
+            </a:r>
+          </a:p>
+          <a:p>
+            <a:pPr lvl="1"/>
+            <a:r>
+              <a:rPr lang="en-US" smtClean="0"/>
+              <a:t>Second level</a:t>
+            </a:r>
+          </a:p>
+          <a:p>
+            <a:pPr lvl="2"/>
+            <a:r>
+              <a:rPr lang="en-US" smtClean="0"/>
+              <a:t>Third level</a:t>
+            </a:r>
+          </a:p>
+          <a:p>
+            <a:pPr lvl="3"/>
+            <a:r>
+              <a:rPr lang="en-US" smtClean="0"/>
+              <a:t>Fourth level</a:t>
+            </a:r>
+          </a:p>
+          <a:p>
+            <a:pPr lvl="4"/>
+            <a:r>
+              <a:rPr lang="en-US" smtClean="0"/>
+              <a:t>Fifth level</a:t>
+            </a:r>
+            <a:endParaRPr lang="en-US"/>
+          </a:p>
+        </p:txBody>
+      </p:sp>
+      <p:sp>
+        <p:nvSpPr>
+          <p:cNvPr id="6" name="Footer Placeholder 5"/>
+          <p:cNvSpPr>
+            <a:spLocks noGrp="1"/>
+          </p:cNvSpPr>
+          <p:nvPr>
+            <p:ph type="ftr" sz="quarter" idx="4"/>
+          </p:nvPr>
+        </p:nvSpPr>
+        <p:spPr>
+          <a:xfrm>
+            <a:off x="0" y="8685213"/>
+            <a:ext cx="2971800" cy="457200"/>
+          </a:xfrm>
+          <a:prstGeom prst="rect">
+            <a:avLst/>
+          </a:prstGeom>
+        </p:spPr>
+        <p:txBody>
+          <a:bodyPr vert="horz" lIns="91440" tIns="45720" rIns="91440" bIns="45720" rtlCol="0" anchor="b"/>
+          <a:lstStyle>
+            <a:lvl1pPr algn="l">
+              <a:defRPr sz="1200"/>
+            </a:lvl1pPr>
+          </a:lstStyle>
+          <a:p>
+            <a:endParaRPr lang="en-US"/>
+          </a:p>
+        </p:txBody>
+      </p:sp>
+      <p:sp>
+        <p:nvSpPr>
+          <p:cNvPr id="7" name="Slide Number Placeholder 6"/>
+          <p:cNvSpPr>
+            <a:spLocks noGrp="1"/>
+          </p:cNvSpPr>
+          <p:nvPr>
+            <p:ph type="sldNum" sz="quarter" idx="5"/>
+          </p:nvPr>
+        </p:nvSpPr>
+        <p:spPr>
+          <a:xfrm>
+            <a:off x="3884613" y="8685213"/>
+            <a:ext cx="2971800" cy="457200"/>
+          </a:xfrm>
+          <a:prstGeom prst="rect">
+            <a:avLst/>
+          </a:prstGeom>
+        </p:spPr>
+        <p:txBody>
+          <a:bodyPr vert="horz" lIns="91440" tIns="45720" rIns="91440" bIns="45720" rtlCol="0" anchor="b"/>
+          <a:lstStyle>
+            <a:lvl1pPr algn="r">
+              <a:defRPr sz="1200"/>
+            </a:lvl1pPr>
+          </a:lstStyle>
+          <a:p>
+            <a:fld id="{E914D930-070D-8943-9DF2-C91B57AADCCB}" type="slidenum">
+              <a:rPr lang="en-US" smtClean="0"/>
+              <a:t>‹#›</a:t>
+            </a:fld>
+            <a:endParaRPr lang="en-US"/>
+          </a:p>
+        </p:txBody>
+      </p:sp>
+    </p:spTree>
+    <p:extLst>
+      <p:ext uri="{BB962C8B-B14F-4D97-AF65-F5344CB8AC3E}">
+        <p14:creationId xmlns:p14="http://schemas.microsoft.com/office/powerpoint/2010/main" val="2003916731"/>
+      </p:ext>
+    </p:extLst>
+  </p:cSld>
+  <p:clrMap bg1="lt1" tx1="dk1" bg2="lt2" tx2="dk2" accent1="accent1" accent2="accent2" accent3="accent3" accent4="accent4" accent5="accent5" accent6="accent6" hlink="hlink" folHlink="folHlink"/>
+  <p:notesStyle>
+    <a:lvl1pPr marL="0" algn="l" defTabSz="457200" rtl="0" eaLnBrk="1" latinLnBrk="0" hangingPunct="1">
+      <a:defRPr sz="1200" kern="1200">
+        <a:solidFill>
+          <a:schemeClr val="tx1"/>
+        </a:solidFill>
+        <a:latin typeface="+mn-lt"/>
+        <a:ea typeface="+mn-ea"/>
+        <a:cs typeface="+mn-cs"/>
+      </a:defRPr>
+    </a:lvl1pPr>
+    <a:lvl2pPr marL="457200" algn="l" defTabSz="457200" rtl="0" eaLnBrk="1" latinLnBrk="0" hangingPunct="1">
+      <a:defRPr sz="1200" kern="1200">
+        <a:solidFill>
+          <a:schemeClr val="tx1"/>
+        </a:solidFill>
+        <a:latin typeface="+mn-lt"/>
+        <a:ea typeface="+mn-ea"/>
+        <a:cs typeface="+mn-cs"/>
+      </a:defRPr>
+    </a:lvl2pPr>
+    <a:lvl3pPr marL="914400" algn="l" defTabSz="457200" rtl="0" eaLnBrk="1" latinLnBrk="0" hangingPunct="1">
+      <a:defRPr sz="1200" kern="1200">
+        <a:solidFill>
+          <a:schemeClr val="tx1"/>
+        </a:solidFill>
+        <a:latin typeface="+mn-lt"/>
+        <a:ea typeface="+mn-ea"/>
+        <a:cs typeface="+mn-cs"/>
+      </a:defRPr>
+    </a:lvl3pPr>
+    <a:lvl4pPr marL="1371600" algn="l" defTabSz="457200" rtl="0" eaLnBrk="1" latinLnBrk="0" hangingPunct="1">
+      <a:defRPr sz="1200" kern="1200">
+        <a:solidFill>
+          <a:schemeClr val="tx1"/>
+        </a:solidFill>
+        <a:latin typeface="+mn-lt"/>
+        <a:ea typeface="+mn-ea"/>
+        <a:cs typeface="+mn-cs"/>
+      </a:defRPr>
+    </a:lvl4pPr>
+    <a:lvl5pPr marL="1828800" algn="l" defTabSz="457200" rtl="0" eaLnBrk="1" latinLnBrk="0" hangingPunct="1">
+      <a:defRPr sz="1200" kern="1200">
+        <a:solidFill>
+          <a:schemeClr val="tx1"/>
+        </a:solidFill>
+        <a:latin typeface="+mn-lt"/>
+        <a:ea typeface="+mn-ea"/>
+        <a:cs typeface="+mn-cs"/>
+      </a:defRPr>
+    </a:lvl5pPr>
+    <a:lvl6pPr marL="2286000" algn="l" defTabSz="457200" rtl="0" eaLnBrk="1" latinLnBrk="0" hangingPunct="1">
+      <a:defRPr sz="1200" kern="1200">
+        <a:solidFill>
+          <a:schemeClr val="tx1"/>
+        </a:solidFill>
+        <a:latin typeface="+mn-lt"/>
+        <a:ea typeface="+mn-ea"/>
+        <a:cs typeface="+mn-cs"/>
+      </a:defRPr>
+    </a:lvl6pPr>
+    <a:lvl7pPr marL="2743200" algn="l" defTabSz="457200" rtl="0" eaLnBrk="1" latinLnBrk="0" hangingPunct="1">
+      <a:defRPr sz="1200" kern="1200">
+        <a:solidFill>
+          <a:schemeClr val="tx1"/>
+        </a:solidFill>
+        <a:latin typeface="+mn-lt"/>
+        <a:ea typeface="+mn-ea"/>
+        <a:cs typeface="+mn-cs"/>
+      </a:defRPr>
+    </a:lvl7pPr>
+    <a:lvl8pPr marL="3200400" algn="l" defTabSz="457200" rtl="0" eaLnBrk="1" latinLnBrk="0" hangingPunct="1">
+      <a:defRPr sz="1200" kern="1200">
+        <a:solidFill>
+          <a:schemeClr val="tx1"/>
+        </a:solidFill>
+        <a:latin typeface="+mn-lt"/>
+        <a:ea typeface="+mn-ea"/>
+        <a:cs typeface="+mn-cs"/>
+      </a:defRPr>
+    </a:lvl8pPr>
+    <a:lvl9pPr marL="3657600" algn="l" defTabSz="457200" rtl="0" eaLnBrk="1" latinLnBrk="0" hangingPunct="1">
+      <a:defRPr sz="1200" kern="1200">
+        <a:solidFill>
+          <a:schemeClr val="tx1"/>
+        </a:solidFill>
+        <a:latin typeface="+mn-lt"/>
+        <a:ea typeface="+mn-ea"/>
+        <a:cs typeface="+mn-cs"/>
+      </a:defRPr>
+    </a:lvl9pPr>
+  </p:notesStyle>
+</p:notesMaster>
+</file>
+
+<file path=ppt/notesSlides/notesSlide1.xml><?xml version="1.0" encoding="utf-8"?>
+<p:notes xmlns:a="http://schemas.openxmlformats.org/drawingml/2006/main" xmlns:r="http://schemas.openxmlformats.org/officeDocument/2006/relationships" xmlns:p="http://schemas.openxmlformats.org/presentationml/2006/main">
+  <p:cSld>
+    <p:spTree>
+      <p:nvGrpSpPr>
+        <p:cNvPr id="1" name=""/>
+        <p:cNvGrpSpPr/>
+        <p:nvPr/>
+      </p:nvGrpSpPr>
+      <p:grpSpPr>
+        <a:xfrm>
+          <a:off x="0" y="0"/>
+          <a:ext cx="0" cy="0"/>
+          <a:chOff x="0" y="0"/>
+          <a:chExt cx="0" cy="0"/>
+        </a:xfrm>
+      </p:grpSpPr>
+      <p:sp>
+        <p:nvSpPr>
+          <p:cNvPr id="2" name="Slide Image Placeholder 1"/>
+          <p:cNvSpPr>
+            <a:spLocks noGrp="1" noRot="1" noChangeAspect="1"/>
+          </p:cNvSpPr>
+          <p:nvPr>
+            <p:ph type="sldImg"/>
+          </p:nvPr>
+        </p:nvSpPr>
+        <p:spPr/>
+      </p:sp>
+      <p:sp>
+        <p:nvSpPr>
+          <p:cNvPr id="3" name="Notes Placeholder 2"/>
+          <p:cNvSpPr>
+            <a:spLocks noGrp="1"/>
+          </p:cNvSpPr>
+          <p:nvPr>
+            <p:ph type="body" idx="1"/>
+          </p:nvPr>
+        </p:nvSpPr>
+        <p:spPr/>
+        <p:txBody>
+          <a:bodyPr/>
+          <a:lstStyle/>
+          <a:p>
+            <a:r>
+              <a:rPr lang="en-US" dirty="0" smtClean="0"/>
+              <a:t>Model complexity more flexible</a:t>
+            </a:r>
+          </a:p>
+          <a:p>
+            <a:r>
+              <a:rPr lang="en-US" dirty="0" smtClean="0"/>
+              <a:t>Best model should have enough</a:t>
+            </a:r>
+            <a:r>
+              <a:rPr lang="en-US" baseline="0" dirty="0" smtClean="0"/>
+              <a:t> flexible</a:t>
+            </a:r>
+            <a:endParaRPr lang="en-US" dirty="0"/>
+          </a:p>
+        </p:txBody>
+      </p:sp>
+      <p:sp>
+        <p:nvSpPr>
+          <p:cNvPr id="4" name="Slide Number Placeholder 3"/>
+          <p:cNvSpPr>
+            <a:spLocks noGrp="1"/>
+          </p:cNvSpPr>
+          <p:nvPr>
+            <p:ph type="sldNum" sz="quarter" idx="10"/>
+          </p:nvPr>
+        </p:nvSpPr>
+        <p:spPr/>
+        <p:txBody>
+          <a:bodyPr/>
+          <a:lstStyle/>
+          <a:p>
+            <a:fld id="{E914D930-070D-8943-9DF2-C91B57AADCCB}" type="slidenum">
+              <a:rPr lang="en-US" smtClean="0"/>
+              <a:t>3</a:t>
+            </a:fld>
+            <a:endParaRPr lang="en-US"/>
+          </a:p>
+        </p:txBody>
+      </p:sp>
+    </p:spTree>
+    <p:extLst>
+      <p:ext uri="{BB962C8B-B14F-4D97-AF65-F5344CB8AC3E}">
+        <p14:creationId xmlns:p14="http://schemas.microsoft.com/office/powerpoint/2010/main" val="1787276669"/>
+      </p:ext>
+    </p:extLst>
+  </p:cSld>
+  <p:clrMapOvr>
+    <a:masterClrMapping/>
+  </p:clrMapOvr>
+</p:notes>
+</file>
+
+<file path=ppt/notesSlides/notesSlide10.xml><?xml version="1.0" encoding="utf-8"?>
+<p:notes xmlns:a="http://schemas.openxmlformats.org/drawingml/2006/main" xmlns:r="http://schemas.openxmlformats.org/officeDocument/2006/relationships" xmlns:p="http://schemas.openxmlformats.org/presentationml/2006/main">
+  <p:cSld>
+    <p:spTree>
+      <p:nvGrpSpPr>
+        <p:cNvPr id="1" name=""/>
+        <p:cNvGrpSpPr/>
+        <p:nvPr/>
+      </p:nvGrpSpPr>
+      <p:grpSpPr>
+        <a:xfrm>
+          <a:off x="0" y="0"/>
+          <a:ext cx="0" cy="0"/>
+          <a:chOff x="0" y="0"/>
+          <a:chExt cx="0" cy="0"/>
+        </a:xfrm>
+      </p:grpSpPr>
+      <p:sp>
+        <p:nvSpPr>
+          <p:cNvPr id="2" name="Slide Image Placeholder 1"/>
+          <p:cNvSpPr>
+            <a:spLocks noGrp="1" noRot="1" noChangeAspect="1"/>
+          </p:cNvSpPr>
+          <p:nvPr>
+            <p:ph type="sldImg"/>
+          </p:nvPr>
+        </p:nvSpPr>
+        <p:spPr/>
+      </p:sp>
+      <p:sp>
+        <p:nvSpPr>
+          <p:cNvPr id="3" name="Notes Placeholder 2"/>
+          <p:cNvSpPr>
+            <a:spLocks noGrp="1"/>
+          </p:cNvSpPr>
+          <p:nvPr>
+            <p:ph type="body" idx="1"/>
+          </p:nvPr>
+        </p:nvSpPr>
+        <p:spPr/>
+        <p:txBody>
+          <a:bodyPr/>
+          <a:lstStyle/>
+          <a:p>
+            <a:r>
+              <a:rPr lang="en-US" dirty="0" smtClean="0"/>
+              <a:t>Each time you change lambda run cross validation, pink line is error.  By changing lambda,  this will reduce number of variables.</a:t>
+            </a:r>
+            <a:endParaRPr lang="en-US" dirty="0"/>
+          </a:p>
+        </p:txBody>
+      </p:sp>
+      <p:sp>
+        <p:nvSpPr>
+          <p:cNvPr id="4" name="Slide Number Placeholder 3"/>
+          <p:cNvSpPr>
+            <a:spLocks noGrp="1"/>
+          </p:cNvSpPr>
+          <p:nvPr>
+            <p:ph type="sldNum" sz="quarter" idx="10"/>
+          </p:nvPr>
+        </p:nvSpPr>
+        <p:spPr/>
+        <p:txBody>
+          <a:bodyPr/>
+          <a:lstStyle/>
+          <a:p>
+            <a:fld id="{E914D930-070D-8943-9DF2-C91B57AADCCB}" type="slidenum">
+              <a:rPr lang="en-US" smtClean="0"/>
+              <a:t>13</a:t>
+            </a:fld>
+            <a:endParaRPr lang="en-US"/>
+          </a:p>
+        </p:txBody>
+      </p:sp>
+    </p:spTree>
+    <p:extLst>
+      <p:ext uri="{BB962C8B-B14F-4D97-AF65-F5344CB8AC3E}">
+        <p14:creationId xmlns:p14="http://schemas.microsoft.com/office/powerpoint/2010/main" val="3672985196"/>
+      </p:ext>
+    </p:extLst>
+  </p:cSld>
+  <p:clrMapOvr>
+    <a:masterClrMapping/>
+  </p:clrMapOvr>
+</p:notes>
+</file>
+
+<file path=ppt/notesSlides/notesSlide11.xml><?xml version="1.0" encoding="utf-8"?>
+<p:notes xmlns:a="http://schemas.openxmlformats.org/drawingml/2006/main" xmlns:r="http://schemas.openxmlformats.org/officeDocument/2006/relationships" xmlns:p="http://schemas.openxmlformats.org/presentationml/2006/main">
+  <p:cSld>
+    <p:spTree>
+      <p:nvGrpSpPr>
+        <p:cNvPr id="1" name=""/>
+        <p:cNvGrpSpPr/>
+        <p:nvPr/>
+      </p:nvGrpSpPr>
+      <p:grpSpPr>
+        <a:xfrm>
+          <a:off x="0" y="0"/>
+          <a:ext cx="0" cy="0"/>
+          <a:chOff x="0" y="0"/>
+          <a:chExt cx="0" cy="0"/>
+        </a:xfrm>
+      </p:grpSpPr>
+      <p:sp>
+        <p:nvSpPr>
+          <p:cNvPr id="2" name="Slide Image Placeholder 1"/>
+          <p:cNvSpPr>
+            <a:spLocks noGrp="1" noRot="1" noChangeAspect="1"/>
+          </p:cNvSpPr>
+          <p:nvPr>
+            <p:ph type="sldImg"/>
+          </p:nvPr>
+        </p:nvSpPr>
+        <p:spPr/>
+      </p:sp>
+      <p:sp>
+        <p:nvSpPr>
+          <p:cNvPr id="3" name="Notes Placeholder 2"/>
+          <p:cNvSpPr>
+            <a:spLocks noGrp="1"/>
+          </p:cNvSpPr>
+          <p:nvPr>
+            <p:ph type="body" idx="1"/>
+          </p:nvPr>
+        </p:nvSpPr>
+        <p:spPr/>
+        <p:txBody>
+          <a:bodyPr/>
+          <a:lstStyle/>
+          <a:p>
+            <a:r>
+              <a:rPr lang="en-US" dirty="0" smtClean="0"/>
+              <a:t>Better than ridge, Lasso is always preferred</a:t>
+            </a:r>
+            <a:r>
+              <a:rPr lang="en-US" baseline="0" dirty="0" smtClean="0"/>
+              <a:t> .  But ridge regression is computationally easier because of squares </a:t>
+            </a:r>
+            <a:r>
+              <a:rPr lang="en-US" baseline="0" dirty="0" err="1" smtClean="0"/>
+              <a:t>vs</a:t>
+            </a:r>
+            <a:r>
+              <a:rPr lang="en-US" baseline="0" dirty="0" smtClean="0"/>
+              <a:t> absolute values (who would think?)</a:t>
+            </a:r>
+          </a:p>
+          <a:p>
+            <a:r>
+              <a:rPr lang="en-US" baseline="0" dirty="0" smtClean="0"/>
+              <a:t>Lasso regression will reduce betas to zero as they become insignificant.</a:t>
+            </a:r>
+            <a:endParaRPr lang="en-US" dirty="0"/>
+          </a:p>
+        </p:txBody>
+      </p:sp>
+      <p:sp>
+        <p:nvSpPr>
+          <p:cNvPr id="4" name="Slide Number Placeholder 3"/>
+          <p:cNvSpPr>
+            <a:spLocks noGrp="1"/>
+          </p:cNvSpPr>
+          <p:nvPr>
+            <p:ph type="sldNum" sz="quarter" idx="10"/>
+          </p:nvPr>
+        </p:nvSpPr>
+        <p:spPr/>
+        <p:txBody>
+          <a:bodyPr/>
+          <a:lstStyle/>
+          <a:p>
+            <a:fld id="{E914D930-070D-8943-9DF2-C91B57AADCCB}" type="slidenum">
+              <a:rPr lang="en-US" smtClean="0"/>
+              <a:t>15</a:t>
+            </a:fld>
+            <a:endParaRPr lang="en-US"/>
+          </a:p>
+        </p:txBody>
+      </p:sp>
+    </p:spTree>
+    <p:extLst>
+      <p:ext uri="{BB962C8B-B14F-4D97-AF65-F5344CB8AC3E}">
+        <p14:creationId xmlns:p14="http://schemas.microsoft.com/office/powerpoint/2010/main" val="2813720978"/>
+      </p:ext>
+    </p:extLst>
+  </p:cSld>
+  <p:clrMapOvr>
+    <a:masterClrMapping/>
+  </p:clrMapOvr>
+</p:notes>
+</file>
+
+<file path=ppt/notesSlides/notesSlide2.xml><?xml version="1.0" encoding="utf-8"?>
+<p:notes xmlns:a="http://schemas.openxmlformats.org/drawingml/2006/main" xmlns:r="http://schemas.openxmlformats.org/officeDocument/2006/relationships" xmlns:p="http://schemas.openxmlformats.org/presentationml/2006/main">
+  <p:cSld>
+    <p:spTree>
+      <p:nvGrpSpPr>
+        <p:cNvPr id="1" name=""/>
+        <p:cNvGrpSpPr/>
+        <p:nvPr/>
+      </p:nvGrpSpPr>
+      <p:grpSpPr>
+        <a:xfrm>
+          <a:off x="0" y="0"/>
+          <a:ext cx="0" cy="0"/>
+          <a:chOff x="0" y="0"/>
+          <a:chExt cx="0" cy="0"/>
+        </a:xfrm>
+      </p:grpSpPr>
+      <p:sp>
+        <p:nvSpPr>
+          <p:cNvPr id="2" name="Slide Image Placeholder 1"/>
+          <p:cNvSpPr>
+            <a:spLocks noGrp="1" noRot="1" noChangeAspect="1"/>
+          </p:cNvSpPr>
+          <p:nvPr>
+            <p:ph type="sldImg"/>
+          </p:nvPr>
+        </p:nvSpPr>
+        <p:spPr/>
+      </p:sp>
+      <p:sp>
+        <p:nvSpPr>
+          <p:cNvPr id="3" name="Notes Placeholder 2"/>
+          <p:cNvSpPr>
+            <a:spLocks noGrp="1"/>
+          </p:cNvSpPr>
+          <p:nvPr>
+            <p:ph type="body" idx="1"/>
+          </p:nvPr>
+        </p:nvSpPr>
+        <p:spPr/>
+        <p:txBody>
+          <a:bodyPr/>
+          <a:lstStyle/>
+          <a:p>
+            <a:r>
+              <a:rPr lang="en-US" dirty="0" smtClean="0"/>
+              <a:t>Bias very large in first, totally </a:t>
+            </a:r>
+            <a:r>
+              <a:rPr lang="en-US" dirty="0" err="1" smtClean="0"/>
+              <a:t>underfit</a:t>
+            </a:r>
+            <a:r>
+              <a:rPr lang="en-US" dirty="0" smtClean="0"/>
+              <a:t>, the</a:t>
+            </a:r>
+            <a:r>
+              <a:rPr lang="en-US" baseline="0" dirty="0" smtClean="0"/>
+              <a:t> last one is </a:t>
+            </a:r>
+            <a:r>
+              <a:rPr lang="en-US" baseline="0" dirty="0" err="1" smtClean="0"/>
+              <a:t>overfit</a:t>
+            </a:r>
+            <a:r>
+              <a:rPr lang="en-US" baseline="0" dirty="0" smtClean="0"/>
+              <a:t> and the variance is up, the middle one is just right.</a:t>
+            </a:r>
+            <a:endParaRPr lang="en-US" dirty="0"/>
+          </a:p>
+        </p:txBody>
+      </p:sp>
+      <p:sp>
+        <p:nvSpPr>
+          <p:cNvPr id="4" name="Slide Number Placeholder 3"/>
+          <p:cNvSpPr>
+            <a:spLocks noGrp="1"/>
+          </p:cNvSpPr>
+          <p:nvPr>
+            <p:ph type="sldNum" sz="quarter" idx="10"/>
+          </p:nvPr>
+        </p:nvSpPr>
+        <p:spPr/>
+        <p:txBody>
+          <a:bodyPr/>
+          <a:lstStyle/>
+          <a:p>
+            <a:fld id="{E914D930-070D-8943-9DF2-C91B57AADCCB}" type="slidenum">
+              <a:rPr lang="en-US" smtClean="0"/>
+              <a:t>4</a:t>
+            </a:fld>
+            <a:endParaRPr lang="en-US"/>
+          </a:p>
+        </p:txBody>
+      </p:sp>
+    </p:spTree>
+    <p:extLst>
+      <p:ext uri="{BB962C8B-B14F-4D97-AF65-F5344CB8AC3E}">
+        <p14:creationId xmlns:p14="http://schemas.microsoft.com/office/powerpoint/2010/main" val="2369309831"/>
+      </p:ext>
+    </p:extLst>
+  </p:cSld>
+  <p:clrMapOvr>
+    <a:masterClrMapping/>
+  </p:clrMapOvr>
+</p:notes>
+</file>
+
+<file path=ppt/notesSlides/notesSlide3.xml><?xml version="1.0" encoding="utf-8"?>
+<p:notes xmlns:a="http://schemas.openxmlformats.org/drawingml/2006/main" xmlns:r="http://schemas.openxmlformats.org/officeDocument/2006/relationships" xmlns:p="http://schemas.openxmlformats.org/presentationml/2006/main">
+  <p:cSld>
+    <p:spTree>
+      <p:nvGrpSpPr>
+        <p:cNvPr id="1" name=""/>
+        <p:cNvGrpSpPr/>
+        <p:nvPr/>
+      </p:nvGrpSpPr>
+      <p:grpSpPr>
+        <a:xfrm>
+          <a:off x="0" y="0"/>
+          <a:ext cx="0" cy="0"/>
+          <a:chOff x="0" y="0"/>
+          <a:chExt cx="0" cy="0"/>
+        </a:xfrm>
+      </p:grpSpPr>
+      <p:sp>
+        <p:nvSpPr>
+          <p:cNvPr id="2" name="Slide Image Placeholder 1"/>
+          <p:cNvSpPr>
+            <a:spLocks noGrp="1" noRot="1" noChangeAspect="1"/>
+          </p:cNvSpPr>
+          <p:nvPr>
+            <p:ph type="sldImg"/>
+          </p:nvPr>
+        </p:nvSpPr>
+        <p:spPr/>
+      </p:sp>
+      <p:sp>
+        <p:nvSpPr>
+          <p:cNvPr id="3" name="Notes Placeholder 2"/>
+          <p:cNvSpPr>
+            <a:spLocks noGrp="1"/>
+          </p:cNvSpPr>
+          <p:nvPr>
+            <p:ph type="body" idx="1"/>
+          </p:nvPr>
+        </p:nvSpPr>
+        <p:spPr/>
+        <p:txBody>
+          <a:bodyPr/>
+          <a:lstStyle/>
+          <a:p>
+            <a:r>
+              <a:rPr lang="en-US" dirty="0" smtClean="0"/>
+              <a:t>What percent of data for test? Maybe 10- 20%</a:t>
+            </a:r>
+            <a:r>
+              <a:rPr lang="en-US" baseline="0" dirty="0" smtClean="0"/>
+              <a:t> .  Sparse data means that a feature is not say income from 1 to a million, but instead is 100 to 4000 (for instance)</a:t>
+            </a:r>
+            <a:endParaRPr lang="en-US" dirty="0"/>
+          </a:p>
+        </p:txBody>
+      </p:sp>
+      <p:sp>
+        <p:nvSpPr>
+          <p:cNvPr id="4" name="Slide Number Placeholder 3"/>
+          <p:cNvSpPr>
+            <a:spLocks noGrp="1"/>
+          </p:cNvSpPr>
+          <p:nvPr>
+            <p:ph type="sldNum" sz="quarter" idx="10"/>
+          </p:nvPr>
+        </p:nvSpPr>
+        <p:spPr/>
+        <p:txBody>
+          <a:bodyPr/>
+          <a:lstStyle/>
+          <a:p>
+            <a:fld id="{E914D930-070D-8943-9DF2-C91B57AADCCB}" type="slidenum">
+              <a:rPr lang="en-US" smtClean="0"/>
+              <a:t>5</a:t>
+            </a:fld>
+            <a:endParaRPr lang="en-US"/>
+          </a:p>
+        </p:txBody>
+      </p:sp>
+    </p:spTree>
+    <p:extLst>
+      <p:ext uri="{BB962C8B-B14F-4D97-AF65-F5344CB8AC3E}">
+        <p14:creationId xmlns:p14="http://schemas.microsoft.com/office/powerpoint/2010/main" val="239318674"/>
+      </p:ext>
+    </p:extLst>
+  </p:cSld>
+  <p:clrMapOvr>
+    <a:masterClrMapping/>
+  </p:clrMapOvr>
+</p:notes>
+</file>
+
+<file path=ppt/notesSlides/notesSlide4.xml><?xml version="1.0" encoding="utf-8"?>
+<p:notes xmlns:a="http://schemas.openxmlformats.org/drawingml/2006/main" xmlns:r="http://schemas.openxmlformats.org/officeDocument/2006/relationships" xmlns:p="http://schemas.openxmlformats.org/presentationml/2006/main">
+  <p:cSld>
+    <p:spTree>
+      <p:nvGrpSpPr>
+        <p:cNvPr id="1" name=""/>
+        <p:cNvGrpSpPr/>
+        <p:nvPr/>
+      </p:nvGrpSpPr>
+      <p:grpSpPr>
+        <a:xfrm>
+          <a:off x="0" y="0"/>
+          <a:ext cx="0" cy="0"/>
+          <a:chOff x="0" y="0"/>
+          <a:chExt cx="0" cy="0"/>
+        </a:xfrm>
+      </p:grpSpPr>
+      <p:sp>
+        <p:nvSpPr>
+          <p:cNvPr id="2" name="Slide Image Placeholder 1"/>
+          <p:cNvSpPr>
+            <a:spLocks noGrp="1" noRot="1" noChangeAspect="1"/>
+          </p:cNvSpPr>
+          <p:nvPr>
+            <p:ph type="sldImg"/>
+          </p:nvPr>
+        </p:nvSpPr>
+        <p:spPr/>
+      </p:sp>
+      <p:sp>
+        <p:nvSpPr>
+          <p:cNvPr id="3" name="Notes Placeholder 2"/>
+          <p:cNvSpPr>
+            <a:spLocks noGrp="1"/>
+          </p:cNvSpPr>
+          <p:nvPr>
+            <p:ph type="body" idx="1"/>
+          </p:nvPr>
+        </p:nvSpPr>
+        <p:spPr/>
+        <p:txBody>
+          <a:bodyPr/>
+          <a:lstStyle/>
+          <a:p>
+            <a:r>
+              <a:rPr lang="en-US" dirty="0" smtClean="0"/>
+              <a:t>Right hand graph – upper</a:t>
+            </a:r>
+            <a:r>
+              <a:rPr lang="en-US" baseline="0" dirty="0" smtClean="0"/>
+              <a:t> line is error on test set, gray line is on training set .  You can see that as the model becomes more flexible, the errors on the training set go down, but at the same time they increase on the test data because of </a:t>
+            </a:r>
+            <a:r>
+              <a:rPr lang="en-US" baseline="0" dirty="0" err="1" smtClean="0"/>
+              <a:t>overfitting</a:t>
+            </a:r>
+            <a:r>
+              <a:rPr lang="en-US" baseline="0" dirty="0" smtClean="0"/>
+              <a:t>.   Where the blue dot is marks a happy point for model selection, because the test data error is at a low point.</a:t>
+            </a:r>
+            <a:endParaRPr lang="en-US" dirty="0"/>
+          </a:p>
+        </p:txBody>
+      </p:sp>
+      <p:sp>
+        <p:nvSpPr>
+          <p:cNvPr id="4" name="Slide Number Placeholder 3"/>
+          <p:cNvSpPr>
+            <a:spLocks noGrp="1"/>
+          </p:cNvSpPr>
+          <p:nvPr>
+            <p:ph type="sldNum" sz="quarter" idx="10"/>
+          </p:nvPr>
+        </p:nvSpPr>
+        <p:spPr/>
+        <p:txBody>
+          <a:bodyPr/>
+          <a:lstStyle/>
+          <a:p>
+            <a:fld id="{E914D930-070D-8943-9DF2-C91B57AADCCB}" type="slidenum">
+              <a:rPr lang="en-US" smtClean="0"/>
+              <a:t>6</a:t>
+            </a:fld>
+            <a:endParaRPr lang="en-US"/>
+          </a:p>
+        </p:txBody>
+      </p:sp>
+    </p:spTree>
+    <p:extLst>
+      <p:ext uri="{BB962C8B-B14F-4D97-AF65-F5344CB8AC3E}">
+        <p14:creationId xmlns:p14="http://schemas.microsoft.com/office/powerpoint/2010/main" val="3879681905"/>
+      </p:ext>
+    </p:extLst>
+  </p:cSld>
+  <p:clrMapOvr>
+    <a:masterClrMapping/>
+  </p:clrMapOvr>
+</p:notes>
+</file>
+
+<file path=ppt/notesSlides/notesSlide5.xml><?xml version="1.0" encoding="utf-8"?>
+<p:notes xmlns:a="http://schemas.openxmlformats.org/drawingml/2006/main" xmlns:r="http://schemas.openxmlformats.org/officeDocument/2006/relationships" xmlns:p="http://schemas.openxmlformats.org/presentationml/2006/main">
+  <p:cSld>
+    <p:spTree>
+      <p:nvGrpSpPr>
+        <p:cNvPr id="1" name=""/>
+        <p:cNvGrpSpPr/>
+        <p:nvPr/>
+      </p:nvGrpSpPr>
+      <p:grpSpPr>
+        <a:xfrm>
+          <a:off x="0" y="0"/>
+          <a:ext cx="0" cy="0"/>
+          <a:chOff x="0" y="0"/>
+          <a:chExt cx="0" cy="0"/>
+        </a:xfrm>
+      </p:grpSpPr>
+      <p:sp>
+        <p:nvSpPr>
+          <p:cNvPr id="2" name="Slide Image Placeholder 1"/>
+          <p:cNvSpPr>
+            <a:spLocks noGrp="1" noRot="1" noChangeAspect="1"/>
+          </p:cNvSpPr>
+          <p:nvPr>
+            <p:ph type="sldImg"/>
+          </p:nvPr>
+        </p:nvSpPr>
+        <p:spPr/>
+      </p:sp>
+      <p:sp>
+        <p:nvSpPr>
+          <p:cNvPr id="3" name="Notes Placeholder 2"/>
+          <p:cNvSpPr>
+            <a:spLocks noGrp="1"/>
+          </p:cNvSpPr>
+          <p:nvPr>
+            <p:ph type="body" idx="1"/>
+          </p:nvPr>
+        </p:nvSpPr>
+        <p:spPr/>
+        <p:txBody>
+          <a:bodyPr/>
+          <a:lstStyle/>
+          <a:p>
+            <a:r>
+              <a:rPr lang="en-US" dirty="0" smtClean="0"/>
+              <a:t>In this case depicted, the real model is a really a line.  So the less flexible model is the most successful.</a:t>
+            </a:r>
+          </a:p>
+          <a:p>
+            <a:endParaRPr lang="en-US" dirty="0" smtClean="0"/>
+          </a:p>
+          <a:p>
+            <a:r>
+              <a:rPr lang="en-US" dirty="0" smtClean="0"/>
+              <a:t>When</a:t>
+            </a:r>
+            <a:r>
+              <a:rPr lang="en-US" baseline="0" dirty="0" smtClean="0"/>
+              <a:t> you have a polynomial of a higher degree the confidence interval becomes very wide at the tails – don’t go with polynomials above degree 4</a:t>
+            </a:r>
+            <a:endParaRPr lang="en-US" dirty="0"/>
+          </a:p>
+        </p:txBody>
+      </p:sp>
+      <p:sp>
+        <p:nvSpPr>
+          <p:cNvPr id="4" name="Slide Number Placeholder 3"/>
+          <p:cNvSpPr>
+            <a:spLocks noGrp="1"/>
+          </p:cNvSpPr>
+          <p:nvPr>
+            <p:ph type="sldNum" sz="quarter" idx="10"/>
+          </p:nvPr>
+        </p:nvSpPr>
+        <p:spPr/>
+        <p:txBody>
+          <a:bodyPr/>
+          <a:lstStyle/>
+          <a:p>
+            <a:fld id="{E914D930-070D-8943-9DF2-C91B57AADCCB}" type="slidenum">
+              <a:rPr lang="en-US" smtClean="0"/>
+              <a:t>7</a:t>
+            </a:fld>
+            <a:endParaRPr lang="en-US"/>
+          </a:p>
+        </p:txBody>
+      </p:sp>
+    </p:spTree>
+    <p:extLst>
+      <p:ext uri="{BB962C8B-B14F-4D97-AF65-F5344CB8AC3E}">
+        <p14:creationId xmlns:p14="http://schemas.microsoft.com/office/powerpoint/2010/main" val="4254752648"/>
+      </p:ext>
+    </p:extLst>
+  </p:cSld>
+  <p:clrMapOvr>
+    <a:masterClrMapping/>
+  </p:clrMapOvr>
+</p:notes>
+</file>
+
+<file path=ppt/notesSlides/notesSlide6.xml><?xml version="1.0" encoding="utf-8"?>
+<p:notes xmlns:a="http://schemas.openxmlformats.org/drawingml/2006/main" xmlns:r="http://schemas.openxmlformats.org/officeDocument/2006/relationships" xmlns:p="http://schemas.openxmlformats.org/presentationml/2006/main">
+  <p:cSld>
+    <p:spTree>
+      <p:nvGrpSpPr>
+        <p:cNvPr id="1" name=""/>
+        <p:cNvGrpSpPr/>
+        <p:nvPr/>
+      </p:nvGrpSpPr>
+      <p:grpSpPr>
+        <a:xfrm>
+          <a:off x="0" y="0"/>
+          <a:ext cx="0" cy="0"/>
+          <a:chOff x="0" y="0"/>
+          <a:chExt cx="0" cy="0"/>
+        </a:xfrm>
+      </p:grpSpPr>
+      <p:sp>
+        <p:nvSpPr>
+          <p:cNvPr id="2" name="Slide Image Placeholder 1"/>
+          <p:cNvSpPr>
+            <a:spLocks noGrp="1" noRot="1" noChangeAspect="1"/>
+          </p:cNvSpPr>
+          <p:nvPr>
+            <p:ph type="sldImg"/>
+          </p:nvPr>
+        </p:nvSpPr>
+        <p:spPr/>
+      </p:sp>
+      <p:sp>
+        <p:nvSpPr>
+          <p:cNvPr id="3" name="Notes Placeholder 2"/>
+          <p:cNvSpPr>
+            <a:spLocks noGrp="1"/>
+          </p:cNvSpPr>
+          <p:nvPr>
+            <p:ph type="body" idx="1"/>
+          </p:nvPr>
+        </p:nvSpPr>
+        <p:spPr/>
+        <p:txBody>
+          <a:bodyPr/>
+          <a:lstStyle/>
+          <a:p>
+            <a:r>
+              <a:rPr lang="en-US" dirty="0" smtClean="0"/>
+              <a:t>When you have a small number</a:t>
+            </a:r>
+            <a:r>
+              <a:rPr lang="en-US" baseline="0" dirty="0" smtClean="0"/>
+              <a:t> of observations  -- most used is 5-fold and 10-fold (why?)</a:t>
+            </a:r>
+          </a:p>
+          <a:p>
+            <a:r>
+              <a:rPr lang="en-US" baseline="0" dirty="0" smtClean="0"/>
+              <a:t>Divide dataset into k subsets of randomly selected observations.</a:t>
+            </a:r>
+          </a:p>
+          <a:p>
+            <a:r>
+              <a:rPr lang="en-US" baseline="0" dirty="0" smtClean="0"/>
+              <a:t>Use validation when you have enough data because when using cross validation the errors can be low because the models share data</a:t>
+            </a:r>
+            <a:endParaRPr lang="en-US" dirty="0"/>
+          </a:p>
+        </p:txBody>
+      </p:sp>
+      <p:sp>
+        <p:nvSpPr>
+          <p:cNvPr id="4" name="Slide Number Placeholder 3"/>
+          <p:cNvSpPr>
+            <a:spLocks noGrp="1"/>
+          </p:cNvSpPr>
+          <p:nvPr>
+            <p:ph type="sldNum" sz="quarter" idx="10"/>
+          </p:nvPr>
+        </p:nvSpPr>
+        <p:spPr/>
+        <p:txBody>
+          <a:bodyPr/>
+          <a:lstStyle/>
+          <a:p>
+            <a:fld id="{E914D930-070D-8943-9DF2-C91B57AADCCB}" type="slidenum">
+              <a:rPr lang="en-US" smtClean="0"/>
+              <a:t>8</a:t>
+            </a:fld>
+            <a:endParaRPr lang="en-US"/>
+          </a:p>
+        </p:txBody>
+      </p:sp>
+    </p:spTree>
+    <p:extLst>
+      <p:ext uri="{BB962C8B-B14F-4D97-AF65-F5344CB8AC3E}">
+        <p14:creationId xmlns:p14="http://schemas.microsoft.com/office/powerpoint/2010/main" val="957303499"/>
+      </p:ext>
+    </p:extLst>
+  </p:cSld>
+  <p:clrMapOvr>
+    <a:masterClrMapping/>
+  </p:clrMapOvr>
+</p:notes>
+</file>
+
+<file path=ppt/notesSlides/notesSlide7.xml><?xml version="1.0" encoding="utf-8"?>
+<p:notes xmlns:a="http://schemas.openxmlformats.org/drawingml/2006/main" xmlns:r="http://schemas.openxmlformats.org/officeDocument/2006/relationships" xmlns:p="http://schemas.openxmlformats.org/presentationml/2006/main">
+  <p:cSld>
+    <p:spTree>
+      <p:nvGrpSpPr>
+        <p:cNvPr id="1" name=""/>
+        <p:cNvGrpSpPr/>
+        <p:nvPr/>
+      </p:nvGrpSpPr>
+      <p:grpSpPr>
+        <a:xfrm>
+          <a:off x="0" y="0"/>
+          <a:ext cx="0" cy="0"/>
+          <a:chOff x="0" y="0"/>
+          <a:chExt cx="0" cy="0"/>
+        </a:xfrm>
+      </p:grpSpPr>
+      <p:sp>
+        <p:nvSpPr>
+          <p:cNvPr id="2" name="Slide Image Placeholder 1"/>
+          <p:cNvSpPr>
+            <a:spLocks noGrp="1" noRot="1" noChangeAspect="1"/>
+          </p:cNvSpPr>
+          <p:nvPr>
+            <p:ph type="sldImg"/>
+          </p:nvPr>
+        </p:nvSpPr>
+        <p:spPr/>
+      </p:sp>
+      <p:sp>
+        <p:nvSpPr>
+          <p:cNvPr id="3" name="Notes Placeholder 2"/>
+          <p:cNvSpPr>
+            <a:spLocks noGrp="1"/>
+          </p:cNvSpPr>
+          <p:nvPr>
+            <p:ph type="body" idx="1"/>
+          </p:nvPr>
+        </p:nvSpPr>
+        <p:spPr/>
+        <p:txBody>
+          <a:bodyPr/>
+          <a:lstStyle/>
+          <a:p>
+            <a:r>
+              <a:rPr lang="en-US" dirty="0" smtClean="0"/>
+              <a:t>So on first go,</a:t>
+            </a:r>
+            <a:r>
+              <a:rPr lang="en-US" baseline="0" dirty="0" smtClean="0"/>
+              <a:t> train on 80% and test on 20%</a:t>
+            </a:r>
+          </a:p>
+          <a:p>
+            <a:r>
+              <a:rPr lang="en-US" baseline="0" dirty="0" smtClean="0"/>
+              <a:t>Take next fold, train on 80% and test on 20%</a:t>
+            </a:r>
+            <a:endParaRPr lang="en-US" dirty="0"/>
+          </a:p>
+        </p:txBody>
+      </p:sp>
+      <p:sp>
+        <p:nvSpPr>
+          <p:cNvPr id="4" name="Slide Number Placeholder 3"/>
+          <p:cNvSpPr>
+            <a:spLocks noGrp="1"/>
+          </p:cNvSpPr>
+          <p:nvPr>
+            <p:ph type="sldNum" sz="quarter" idx="10"/>
+          </p:nvPr>
+        </p:nvSpPr>
+        <p:spPr/>
+        <p:txBody>
+          <a:bodyPr/>
+          <a:lstStyle/>
+          <a:p>
+            <a:fld id="{E914D930-070D-8943-9DF2-C91B57AADCCB}" type="slidenum">
+              <a:rPr lang="en-US" smtClean="0"/>
+              <a:t>9</a:t>
+            </a:fld>
+            <a:endParaRPr lang="en-US"/>
+          </a:p>
+        </p:txBody>
+      </p:sp>
+    </p:spTree>
+    <p:extLst>
+      <p:ext uri="{BB962C8B-B14F-4D97-AF65-F5344CB8AC3E}">
+        <p14:creationId xmlns:p14="http://schemas.microsoft.com/office/powerpoint/2010/main" val="2992870411"/>
+      </p:ext>
+    </p:extLst>
+  </p:cSld>
+  <p:clrMapOvr>
+    <a:masterClrMapping/>
+  </p:clrMapOvr>
+</p:notes>
+</file>
+
+<file path=ppt/notesSlides/notesSlide8.xml><?xml version="1.0" encoding="utf-8"?>
+<p:notes xmlns:a="http://schemas.openxmlformats.org/drawingml/2006/main" xmlns:r="http://schemas.openxmlformats.org/officeDocument/2006/relationships" xmlns:p="http://schemas.openxmlformats.org/presentationml/2006/main">
+  <p:cSld>
+    <p:spTree>
+      <p:nvGrpSpPr>
+        <p:cNvPr id="1" name=""/>
+        <p:cNvGrpSpPr/>
+        <p:nvPr/>
+      </p:nvGrpSpPr>
+      <p:grpSpPr>
+        <a:xfrm>
+          <a:off x="0" y="0"/>
+          <a:ext cx="0" cy="0"/>
+          <a:chOff x="0" y="0"/>
+          <a:chExt cx="0" cy="0"/>
+        </a:xfrm>
+      </p:grpSpPr>
+      <p:sp>
+        <p:nvSpPr>
+          <p:cNvPr id="2" name="Slide Image Placeholder 1"/>
+          <p:cNvSpPr>
+            <a:spLocks noGrp="1" noRot="1" noChangeAspect="1"/>
+          </p:cNvSpPr>
+          <p:nvPr>
+            <p:ph type="sldImg"/>
+          </p:nvPr>
+        </p:nvSpPr>
+        <p:spPr/>
+      </p:sp>
+      <p:sp>
+        <p:nvSpPr>
+          <p:cNvPr id="3" name="Notes Placeholder 2"/>
+          <p:cNvSpPr>
+            <a:spLocks noGrp="1"/>
+          </p:cNvSpPr>
+          <p:nvPr>
+            <p:ph type="body" idx="1"/>
+          </p:nvPr>
+        </p:nvSpPr>
+        <p:spPr/>
+        <p:txBody>
+          <a:bodyPr/>
+          <a:lstStyle/>
+          <a:p>
+            <a:r>
+              <a:rPr lang="en-US" dirty="0" smtClean="0"/>
+              <a:t>Simpler is better,</a:t>
+            </a:r>
+            <a:r>
+              <a:rPr lang="en-US" baseline="0" dirty="0" smtClean="0"/>
+              <a:t> he changed the line so that the orange point at 4 was lower, closer to gray, but he said not enough incremental value increase so stick with previous model</a:t>
+            </a:r>
+            <a:endParaRPr lang="en-US" dirty="0"/>
+          </a:p>
+        </p:txBody>
+      </p:sp>
+      <p:sp>
+        <p:nvSpPr>
+          <p:cNvPr id="4" name="Slide Number Placeholder 3"/>
+          <p:cNvSpPr>
+            <a:spLocks noGrp="1"/>
+          </p:cNvSpPr>
+          <p:nvPr>
+            <p:ph type="sldNum" sz="quarter" idx="10"/>
+          </p:nvPr>
+        </p:nvSpPr>
+        <p:spPr/>
+        <p:txBody>
+          <a:bodyPr/>
+          <a:lstStyle/>
+          <a:p>
+            <a:fld id="{E914D930-070D-8943-9DF2-C91B57AADCCB}" type="slidenum">
+              <a:rPr lang="en-US" smtClean="0"/>
+              <a:t>10</a:t>
+            </a:fld>
+            <a:endParaRPr lang="en-US"/>
+          </a:p>
+        </p:txBody>
+      </p:sp>
+    </p:spTree>
+    <p:extLst>
+      <p:ext uri="{BB962C8B-B14F-4D97-AF65-F5344CB8AC3E}">
+        <p14:creationId xmlns:p14="http://schemas.microsoft.com/office/powerpoint/2010/main" val="3665565888"/>
+      </p:ext>
+    </p:extLst>
+  </p:cSld>
+  <p:clrMapOvr>
+    <a:masterClrMapping/>
+  </p:clrMapOvr>
+</p:notes>
+</file>
+
+<file path=ppt/notesSlides/notesSlide9.xml><?xml version="1.0" encoding="utf-8"?>
+<p:notes xmlns:a="http://schemas.openxmlformats.org/drawingml/2006/main" xmlns:r="http://schemas.openxmlformats.org/officeDocument/2006/relationships" xmlns:p="http://schemas.openxmlformats.org/presentationml/2006/main">
+  <p:cSld>
+    <p:spTree>
+      <p:nvGrpSpPr>
+        <p:cNvPr id="1" name=""/>
+        <p:cNvGrpSpPr/>
+        <p:nvPr/>
+      </p:nvGrpSpPr>
+      <p:grpSpPr>
+        <a:xfrm>
+          <a:off x="0" y="0"/>
+          <a:ext cx="0" cy="0"/>
+          <a:chOff x="0" y="0"/>
+          <a:chExt cx="0" cy="0"/>
+        </a:xfrm>
+      </p:grpSpPr>
+      <p:sp>
+        <p:nvSpPr>
+          <p:cNvPr id="2" name="Slide Image Placeholder 1"/>
+          <p:cNvSpPr>
+            <a:spLocks noGrp="1" noRot="1" noChangeAspect="1"/>
+          </p:cNvSpPr>
+          <p:nvPr>
+            <p:ph type="sldImg"/>
+          </p:nvPr>
+        </p:nvSpPr>
+        <p:spPr/>
+      </p:sp>
+      <p:sp>
+        <p:nvSpPr>
+          <p:cNvPr id="3" name="Notes Placeholder 2"/>
+          <p:cNvSpPr>
+            <a:spLocks noGrp="1"/>
+          </p:cNvSpPr>
+          <p:nvPr>
+            <p:ph type="body" idx="1"/>
+          </p:nvPr>
+        </p:nvSpPr>
+        <p:spPr/>
+        <p:txBody>
+          <a:bodyPr/>
+          <a:lstStyle/>
+          <a:p>
+            <a:r>
+              <a:rPr lang="en-US" dirty="0" smtClean="0"/>
+              <a:t>With linear</a:t>
+            </a:r>
+            <a:r>
+              <a:rPr lang="en-US" baseline="0" dirty="0" smtClean="0"/>
+              <a:t>  model we are trying to minimize our error sum of squares.  Flexibility is equivalent to more features.</a:t>
+            </a:r>
+          </a:p>
+          <a:p>
+            <a:r>
+              <a:rPr lang="en-US" baseline="0" dirty="0" smtClean="0"/>
+              <a:t>With any observation with p variables, try to minimize prediction error from reality</a:t>
+            </a:r>
+          </a:p>
+          <a:p>
+            <a:r>
+              <a:rPr lang="en-US" baseline="0" dirty="0" smtClean="0"/>
+              <a:t>Why use this?  To determine the best features to use in the model ????????  And how to pick </a:t>
+            </a:r>
+            <a:r>
+              <a:rPr lang="en-US" baseline="0" dirty="0" err="1" smtClean="0"/>
+              <a:t>lamda</a:t>
+            </a:r>
+            <a:r>
+              <a:rPr lang="en-US" baseline="0" dirty="0" smtClean="0"/>
+              <a:t>?  When </a:t>
+            </a:r>
+            <a:r>
+              <a:rPr lang="en-US" baseline="0" dirty="0" err="1" smtClean="0"/>
+              <a:t>lamda</a:t>
+            </a:r>
+            <a:r>
+              <a:rPr lang="en-US" baseline="0" dirty="0" smtClean="0"/>
+              <a:t> goes up flexibility goes down, when lambda goes down </a:t>
+            </a:r>
+            <a:r>
+              <a:rPr lang="en-US" baseline="0" dirty="0" err="1" smtClean="0"/>
+              <a:t>flexibilty</a:t>
+            </a:r>
+            <a:r>
+              <a:rPr lang="en-US" baseline="0" dirty="0" smtClean="0"/>
+              <a:t> goes up</a:t>
+            </a:r>
+            <a:endParaRPr lang="en-US" dirty="0"/>
+          </a:p>
+        </p:txBody>
+      </p:sp>
+      <p:sp>
+        <p:nvSpPr>
+          <p:cNvPr id="4" name="Slide Number Placeholder 3"/>
+          <p:cNvSpPr>
+            <a:spLocks noGrp="1"/>
+          </p:cNvSpPr>
+          <p:nvPr>
+            <p:ph type="sldNum" sz="quarter" idx="10"/>
+          </p:nvPr>
+        </p:nvSpPr>
+        <p:spPr/>
+        <p:txBody>
+          <a:bodyPr/>
+          <a:lstStyle/>
+          <a:p>
+            <a:fld id="{E914D930-070D-8943-9DF2-C91B57AADCCB}" type="slidenum">
+              <a:rPr lang="en-US" smtClean="0"/>
+              <a:t>11</a:t>
+            </a:fld>
+            <a:endParaRPr lang="en-US"/>
+          </a:p>
+        </p:txBody>
+      </p:sp>
+    </p:spTree>
+    <p:extLst>
+      <p:ext uri="{BB962C8B-B14F-4D97-AF65-F5344CB8AC3E}">
+        <p14:creationId xmlns:p14="http://schemas.microsoft.com/office/powerpoint/2010/main" val="717565013"/>
+      </p:ext>
+    </p:extLst>
+  </p:cSld>
+  <p:clrMapOvr>
+    <a:masterClrMapping/>
+  </p:clrMapOvr>
+</p:notes>
 </file>
 
 <file path=ppt/slideLayouts/slideLayout1.xml><?xml version="1.0" encoding="utf-8"?>
@@ -3312,7 +4780,7 @@
           </p:nvPr>
         </p:nvPicPr>
         <p:blipFill>
-          <a:blip r:embed="rId2">
+          <a:blip r:embed="rId3">
             <a:extLst>
               <a:ext uri="{28A0092B-C50C-407E-A947-70E740481C1C}">
                 <a14:useLocalDpi xmlns:a14="http://schemas.microsoft.com/office/drawing/2010/main" val="0"/>
@@ -3404,7 +4872,7 @@
           </p:nvPr>
         </p:nvPicPr>
         <p:blipFill>
-          <a:blip r:embed="rId2">
+          <a:blip r:embed="rId3">
             <a:extLst>
               <a:ext uri="{28A0092B-C50C-407E-A947-70E740481C1C}">
                 <a14:useLocalDpi xmlns:a14="http://schemas.microsoft.com/office/drawing/2010/main" val="0"/>
@@ -3462,7 +4930,7 @@
           <p:nvPr/>
         </p:nvPicPr>
         <p:blipFill>
-          <a:blip r:embed="rId3">
+          <a:blip r:embed="rId4">
             <a:extLst>
               <a:ext uri="{28A0092B-C50C-407E-A947-70E740481C1C}">
                 <a14:useLocalDpi xmlns:a14="http://schemas.microsoft.com/office/drawing/2010/main" val="0"/>
@@ -4027,7 +5495,7 @@
           </p:nvPr>
         </p:nvPicPr>
         <p:blipFill>
-          <a:blip r:embed="rId2">
+          <a:blip r:embed="rId3">
             <a:extLst>
               <a:ext uri="{28A0092B-C50C-407E-A947-70E740481C1C}">
                 <a14:useLocalDpi xmlns:a14="http://schemas.microsoft.com/office/drawing/2010/main" val="0"/>
@@ -5886,7 +7354,7 @@
           </p:nvPr>
         </p:nvPicPr>
         <p:blipFill>
-          <a:blip r:embed="rId2">
+          <a:blip r:embed="rId3">
             <a:extLst>
               <a:ext uri="{28A0092B-C50C-407E-A947-70E740481C1C}">
                 <a14:useLocalDpi xmlns:a14="http://schemas.microsoft.com/office/drawing/2010/main" val="0"/>
@@ -6000,7 +7468,7 @@
           </p:nvPr>
         </p:nvPicPr>
         <p:blipFill>
-          <a:blip r:embed="rId2">
+          <a:blip r:embed="rId3">
             <a:extLst>
               <a:ext uri="{28A0092B-C50C-407E-A947-70E740481C1C}">
                 <a14:useLocalDpi xmlns:a14="http://schemas.microsoft.com/office/drawing/2010/main" val="0"/>
@@ -6343,7 +7811,7 @@
           </p:nvPr>
         </p:nvPicPr>
         <p:blipFill>
-          <a:blip r:embed="rId2">
+          <a:blip r:embed="rId3">
             <a:extLst>
               <a:ext uri="{28A0092B-C50C-407E-A947-70E740481C1C}">
                 <a14:useLocalDpi xmlns:a14="http://schemas.microsoft.com/office/drawing/2010/main" val="0"/>
@@ -6428,7 +7896,7 @@
           </p:nvPr>
         </p:nvPicPr>
         <p:blipFill>
-          <a:blip r:embed="rId2">
+          <a:blip r:embed="rId3">
             <a:extLst>
               <a:ext uri="{28A0092B-C50C-407E-A947-70E740481C1C}">
                 <a14:useLocalDpi xmlns:a14="http://schemas.microsoft.com/office/drawing/2010/main" val="0"/>
@@ -6513,7 +7981,7 @@
           </p:nvPr>
         </p:nvPicPr>
         <p:blipFill>
-          <a:blip r:embed="rId2">
+          <a:blip r:embed="rId3">
             <a:extLst>
               <a:ext uri="{28A0092B-C50C-407E-A947-70E740481C1C}">
                 <a14:useLocalDpi xmlns:a14="http://schemas.microsoft.com/office/drawing/2010/main" val="0"/>
@@ -6598,7 +8066,7 @@
           </p:nvPr>
         </p:nvPicPr>
         <p:blipFill>
-          <a:blip r:embed="rId2">
+          <a:blip r:embed="rId3">
             <a:extLst>
               <a:ext uri="{28A0092B-C50C-407E-A947-70E740481C1C}">
                 <a14:useLocalDpi xmlns:a14="http://schemas.microsoft.com/office/drawing/2010/main" val="0"/>
@@ -6863,4 +8331,324 @@
   <a:objectDefaults/>
   <a:extraClrSchemeLst/>
 </a:theme>
+</file>
+
+<file path=ppt/theme/theme2.xml><?xml version="1.0" encoding="utf-8"?>
+<a:theme xmlns:a="http://schemas.openxmlformats.org/drawingml/2006/main" name="Office Theme">
+  <a:themeElements>
+    <a:clrScheme name="Office">
+      <a:dk1>
+        <a:sysClr val="windowText" lastClr="000000"/>
+      </a:dk1>
+      <a:lt1>
+        <a:sysClr val="window" lastClr="FFFFFF"/>
+      </a:lt1>
+      <a:dk2>
+        <a:srgbClr val="1F497D"/>
+      </a:dk2>
+      <a:lt2>
+        <a:srgbClr val="EEECE1"/>
+      </a:lt2>
+      <a:accent1>
+        <a:srgbClr val="4F81BD"/>
+      </a:accent1>
+      <a:accent2>
+        <a:srgbClr val="C0504D"/>
+      </a:accent2>
+      <a:accent3>
+        <a:srgbClr val="9BBB59"/>
+      </a:accent3>
+      <a:accent4>
+        <a:srgbClr val="8064A2"/>
+      </a:accent4>
+      <a:accent5>
+        <a:srgbClr val="4BACC6"/>
+      </a:accent5>
+      <a:accent6>
+        <a:srgbClr val="F79646"/>
+      </a:accent6>
+      <a:hlink>
+        <a:srgbClr val="0000FF"/>
+      </a:hlink>
+      <a:folHlink>
+        <a:srgbClr val="800080"/>
+      </a:folHlink>
+    </a:clrScheme>
+    <a:fontScheme name="Office">
+      <a:majorFont>
+        <a:latin typeface="Calibri"/>
+        <a:ea typeface=""/>
+        <a:cs typeface=""/>
+        <a:font script="Jpan" typeface="ＭＳ Ｐゴシック"/>
+        <a:font script="Hang" typeface="맑은 고딕"/>
+        <a:font script="Hans" typeface="宋体"/>
+        <a:font script="Hant" typeface="新細明體"/>
+        <a:font script="Arab" typeface="Times New Roman"/>
+        <a:font script="Hebr" typeface="Times New Roman"/>
+        <a:font script="Thai" typeface="Angsana New"/>
+        <a:font script="Ethi" typeface="Nyala"/>
+        <a:font script="Beng" typeface="Vrinda"/>
+        <a:font script="Gujr" typeface="Shruti"/>
+        <a:font script="Khmr" typeface="MoolBoran"/>
+        <a:font script="Knda" typeface="Tunga"/>
+        <a:font script="Guru" typeface="Raavi"/>
+        <a:font script="Cans" typeface="Euphemia"/>
+        <a:font script="Cher" typeface="Plantagenet Cherokee"/>
+        <a:font script="Yiii" typeface="Microsoft Yi Baiti"/>
+        <a:font script="Tibt" typeface="Microsoft Himalaya"/>
+        <a:font script="Thaa" typeface="MV Boli"/>
+        <a:font script="Deva" typeface="Mangal"/>
+        <a:font script="Telu" typeface="Gautami"/>
+        <a:font script="Taml" typeface="Latha"/>
+        <a:font script="Syrc" typeface="Estrangelo Edessa"/>
+        <a:font script="Orya" typeface="Kalinga"/>
+        <a:font script="Mlym" typeface="Kartika"/>
+        <a:font script="Laoo" typeface="DokChampa"/>
+        <a:font script="Sinh" typeface="Iskoola Pota"/>
+        <a:font script="Mong" typeface="Mongolian Baiti"/>
+        <a:font script="Viet" typeface="Times New Roman"/>
+        <a:font script="Uigh" typeface="Microsoft Uighur"/>
+        <a:font script="Geor" typeface="Sylfaen"/>
+      </a:majorFont>
+      <a:minorFont>
+        <a:latin typeface="Calibri"/>
+        <a:ea typeface=""/>
+        <a:cs typeface=""/>
+        <a:font script="Jpan" typeface="ＭＳ Ｐゴシック"/>
+        <a:font script="Hang" typeface="맑은 고딕"/>
+        <a:font script="Hans" typeface="宋体"/>
+        <a:font script="Hant" typeface="新細明體"/>
+        <a:font script="Arab" typeface="Arial"/>
+        <a:font script="Hebr" typeface="Arial"/>
+        <a:font script="Thai" typeface="Cordia New"/>
+        <a:font script="Ethi" typeface="Nyala"/>
+        <a:font script="Beng" typeface="Vrinda"/>
+        <a:font script="Gujr" typeface="Shruti"/>
+        <a:font script="Khmr" typeface="DaunPenh"/>
+        <a:font script="Knda" typeface="Tunga"/>
+        <a:font script="Guru" typeface="Raavi"/>
+        <a:font script="Cans" typeface="Euphemia"/>
+        <a:font script="Cher" typeface="Plantagenet Cherokee"/>
+        <a:font script="Yiii" typeface="Microsoft Yi Baiti"/>
+        <a:font script="Tibt" typeface="Microsoft Himalaya"/>
+        <a:font script="Thaa" typeface="MV Boli"/>
+        <a:font script="Deva" typeface="Mangal"/>
+        <a:font script="Telu" typeface="Gautami"/>
+        <a:font script="Taml" typeface="Latha"/>
+        <a:font script="Syrc" typeface="Estrangelo Edessa"/>
+        <a:font script="Orya" typeface="Kalinga"/>
+        <a:font script="Mlym" typeface="Kartika"/>
+        <a:font script="Laoo" typeface="DokChampa"/>
+        <a:font script="Sinh" typeface="Iskoola Pota"/>
+        <a:font script="Mong" typeface="Mongolian Baiti"/>
+        <a:font script="Viet" typeface="Arial"/>
+        <a:font script="Uigh" typeface="Microsoft Uighur"/>
+        <a:font script="Geor" typeface="Sylfaen"/>
+      </a:minorFont>
+    </a:fontScheme>
+    <a:fmtScheme name="Office">
+      <a:fillStyleLst>
+        <a:solidFill>
+          <a:schemeClr val="phClr"/>
+        </a:solidFill>
+        <a:gradFill rotWithShape="1">
+          <a:gsLst>
+            <a:gs pos="0">
+              <a:schemeClr val="phClr">
+                <a:tint val="50000"/>
+                <a:satMod val="300000"/>
+              </a:schemeClr>
+            </a:gs>
+            <a:gs pos="35000">
+              <a:schemeClr val="phClr">
+                <a:tint val="37000"/>
+                <a:satMod val="300000"/>
+              </a:schemeClr>
+            </a:gs>
+            <a:gs pos="100000">
+              <a:schemeClr val="phClr">
+                <a:tint val="15000"/>
+                <a:satMod val="350000"/>
+              </a:schemeClr>
+            </a:gs>
+          </a:gsLst>
+          <a:lin ang="16200000" scaled="1"/>
+        </a:gradFill>
+        <a:gradFill rotWithShape="1">
+          <a:gsLst>
+            <a:gs pos="0">
+              <a:schemeClr val="phClr">
+                <a:tint val="100000"/>
+                <a:shade val="100000"/>
+                <a:satMod val="130000"/>
+              </a:schemeClr>
+            </a:gs>
+            <a:gs pos="100000">
+              <a:schemeClr val="phClr">
+                <a:tint val="50000"/>
+                <a:shade val="100000"/>
+                <a:satMod val="350000"/>
+              </a:schemeClr>
+            </a:gs>
+          </a:gsLst>
+          <a:lin ang="16200000" scaled="0"/>
+        </a:gradFill>
+      </a:fillStyleLst>
+      <a:lnStyleLst>
+        <a:ln w="9525" cap="flat" cmpd="sng" algn="ctr">
+          <a:solidFill>
+            <a:schemeClr val="phClr">
+              <a:shade val="95000"/>
+              <a:satMod val="105000"/>
+            </a:schemeClr>
+          </a:solidFill>
+          <a:prstDash val="solid"/>
+        </a:ln>
+        <a:ln w="25400" cap="flat" cmpd="sng" algn="ctr">
+          <a:solidFill>
+            <a:schemeClr val="phClr"/>
+          </a:solidFill>
+          <a:prstDash val="solid"/>
+        </a:ln>
+        <a:ln w="38100" cap="flat" cmpd="sng" algn="ctr">
+          <a:solidFill>
+            <a:schemeClr val="phClr"/>
+          </a:solidFill>
+          <a:prstDash val="solid"/>
+        </a:ln>
+      </a:lnStyleLst>
+      <a:effectStyleLst>
+        <a:effectStyle>
+          <a:effectLst>
+            <a:outerShdw blurRad="40000" dist="20000" dir="5400000" rotWithShape="0">
+              <a:srgbClr val="000000">
+                <a:alpha val="38000"/>
+              </a:srgbClr>
+            </a:outerShdw>
+          </a:effectLst>
+        </a:effectStyle>
+        <a:effectStyle>
+          <a:effectLst>
+            <a:outerShdw blurRad="40000" dist="23000" dir="5400000" rotWithShape="0">
+              <a:srgbClr val="000000">
+                <a:alpha val="35000"/>
+              </a:srgbClr>
+            </a:outerShdw>
+          </a:effectLst>
+        </a:effectStyle>
+        <a:effectStyle>
+          <a:effectLst>
+            <a:outerShdw blurRad="40000" dist="23000" dir="5400000" rotWithShape="0">
+              <a:srgbClr val="000000">
+                <a:alpha val="35000"/>
+              </a:srgbClr>
+            </a:outerShdw>
+          </a:effectLst>
+          <a:scene3d>
+            <a:camera prst="orthographicFront">
+              <a:rot lat="0" lon="0" rev="0"/>
+            </a:camera>
+            <a:lightRig rig="threePt" dir="t">
+              <a:rot lat="0" lon="0" rev="1200000"/>
+            </a:lightRig>
+          </a:scene3d>
+          <a:sp3d>
+            <a:bevelT w="63500" h="25400"/>
+          </a:sp3d>
+        </a:effectStyle>
+      </a:effectStyleLst>
+      <a:bgFillStyleLst>
+        <a:solidFill>
+          <a:schemeClr val="phClr"/>
+        </a:solidFill>
+        <a:gradFill rotWithShape="1">
+          <a:gsLst>
+            <a:gs pos="0">
+              <a:schemeClr val="phClr">
+                <a:tint val="40000"/>
+                <a:satMod val="350000"/>
+              </a:schemeClr>
+            </a:gs>
+            <a:gs pos="40000">
+              <a:schemeClr val="phClr">
+                <a:tint val="45000"/>
+                <a:shade val="99000"/>
+                <a:satMod val="350000"/>
+              </a:schemeClr>
+            </a:gs>
+            <a:gs pos="100000">
+              <a:schemeClr val="phClr">
+                <a:shade val="20000"/>
+                <a:satMod val="255000"/>
+              </a:schemeClr>
+            </a:gs>
+          </a:gsLst>
+          <a:path path="circle">
+            <a:fillToRect l="50000" t="-80000" r="50000" b="180000"/>
+          </a:path>
+        </a:gradFill>
+        <a:gradFill rotWithShape="1">
+          <a:gsLst>
+            <a:gs pos="0">
+              <a:schemeClr val="phClr">
+                <a:tint val="80000"/>
+                <a:satMod val="300000"/>
+              </a:schemeClr>
+            </a:gs>
+            <a:gs pos="100000">
+              <a:schemeClr val="phClr">
+                <a:shade val="30000"/>
+                <a:satMod val="200000"/>
+              </a:schemeClr>
+            </a:gs>
+          </a:gsLst>
+          <a:path path="circle">
+            <a:fillToRect l="50000" t="50000" r="50000" b="50000"/>
+          </a:path>
+        </a:gradFill>
+      </a:bgFillStyleLst>
+    </a:fmtScheme>
+  </a:themeElements>
+  <a:objectDefaults>
+    <a:spDef>
+      <a:spPr/>
+      <a:bodyPr/>
+      <a:lstStyle/>
+      <a:style>
+        <a:lnRef idx="1">
+          <a:schemeClr val="accent1"/>
+        </a:lnRef>
+        <a:fillRef idx="3">
+          <a:schemeClr val="accent1"/>
+        </a:fillRef>
+        <a:effectRef idx="2">
+          <a:schemeClr val="accent1"/>
+        </a:effectRef>
+        <a:fontRef idx="minor">
+          <a:schemeClr val="lt1"/>
+        </a:fontRef>
+      </a:style>
+    </a:spDef>
+    <a:lnDef>
+      <a:spPr/>
+      <a:bodyPr/>
+      <a:lstStyle/>
+      <a:style>
+        <a:lnRef idx="2">
+          <a:schemeClr val="accent1"/>
+        </a:lnRef>
+        <a:fillRef idx="0">
+          <a:schemeClr val="accent1"/>
+        </a:fillRef>
+        <a:effectRef idx="1">
+          <a:schemeClr val="accent1"/>
+        </a:effectRef>
+        <a:fontRef idx="minor">
+          <a:schemeClr val="tx1"/>
+        </a:fontRef>
+      </a:style>
+    </a:lnDef>
+  </a:objectDefaults>
+  <a:extraClrSchemeLst/>
+</a:theme>
 </file>